--- a/skin cancer detection.pptx
+++ b/skin cancer detection.pptx
@@ -115,7 +115,7 @@
   </p:defaultTextStyle>
   <p:extLst>
     <p:ext uri="{EFAFB233-063F-42B5-8137-9DF3F51BA10A}">
-      <p15:sldGuideLst xmlns:p15="http://schemas.microsoft.com/office/powerpoint/2012/main" xmlns="">
+      <p15:sldGuideLst xmlns:p15="http://schemas.microsoft.com/office/powerpoint/2012/main">
         <p15:guide id="1" orient="horz" pos="2880">
           <p15:clr>
             <a:srgbClr val="A4A3A4"/>
@@ -2217,8 +2217,8 @@
         </p:nvSpPr>
         <p:spPr>
           <a:xfrm>
-            <a:off x="2667000" y="1295400"/>
-            <a:ext cx="7467600" cy="3586879"/>
+            <a:off x="-381000" y="2075018"/>
+            <a:ext cx="9448800" cy="4756430"/>
           </a:xfrm>
           <a:prstGeom prst="rect">
             <a:avLst/>
@@ -2238,33 +2238,25 @@
                 <a:spcPts val="130"/>
               </a:spcBef>
             </a:pPr>
-            <a:r>
-              <a:rPr lang="en-US" spc="15" dirty="0"/>
-              <a:t/>
-            </a:r>
             <a:br>
               <a:rPr lang="en-US" spc="15" dirty="0"/>
             </a:br>
-            <a:r>
-              <a:rPr lang="en-IN" sz="2000" spc="15" dirty="0"/>
-              <a:t/>
-            </a:r>
             <a:br>
               <a:rPr lang="en-IN" sz="2000" spc="15" dirty="0"/>
             </a:br>
             <a:r>
-              <a:rPr lang="en-IN" sz="2000" spc="15" dirty="0" smtClean="0"/>
+              <a:rPr lang="en-IN" sz="2400" spc="15" dirty="0"/>
               <a:t>      </a:t>
             </a:r>
-            <a:r>
-              <a:rPr lang="en-IN" sz="2000" spc="15" dirty="0"/>
-              <a:t/>
-            </a:r>
             <a:br>
-              <a:rPr lang="en-IN" sz="2000" spc="15" dirty="0"/>
+              <a:rPr lang="en-IN" sz="2400" spc="15" dirty="0"/>
             </a:br>
             <a:r>
-              <a:rPr lang="en-IN" sz="4000" b="1" spc="15" dirty="0" smtClean="0">
+              <a:rPr lang="en-IN" sz="2400" b="1" spc="15" dirty="0"/>
+              <a:t>Presented by:</a:t>
+            </a:r>
+            <a:r>
+              <a:rPr lang="en-IN" sz="2400" b="1" spc="15" dirty="0">
                 <a:solidFill>
                   <a:schemeClr val="tx2"/>
                 </a:solidFill>
@@ -2272,53 +2264,101 @@
               <a:t>V.Suvetha</a:t>
             </a:r>
             <a:br>
-              <a:rPr lang="en-IN" sz="4000" b="1" spc="15" dirty="0" smtClean="0">
+              <a:rPr lang="en-IN" sz="2400" b="1" spc="15" dirty="0">
                 <a:solidFill>
                   <a:schemeClr val="tx2"/>
                 </a:solidFill>
               </a:rPr>
             </a:br>
             <a:r>
-              <a:rPr lang="en-IN" sz="4000" b="1" spc="15" dirty="0" smtClean="0">
+              <a:rPr lang="en-IN" sz="2400" b="1" spc="15" dirty="0"/>
+              <a:t>Registered No:</a:t>
+            </a:r>
+            <a:r>
+              <a:rPr lang="en-IN" sz="2400" b="1" spc="15" dirty="0">
                 <a:solidFill>
                   <a:schemeClr val="tx2"/>
                 </a:solidFill>
               </a:rPr>
               <a:t>813821205052</a:t>
             </a:r>
-            <a:r>
-              <a:rPr lang="en-IN" sz="4000" b="1" spc="15" dirty="0" smtClean="0">
-                <a:solidFill>
-                  <a:schemeClr val="tx2"/>
-                </a:solidFill>
-              </a:rPr>
-              <a:t/>
-            </a:r>
             <a:br>
-              <a:rPr lang="en-IN" sz="4000" b="1" spc="15" dirty="0" smtClean="0">
+              <a:rPr lang="en-IN" sz="2400" b="1" spc="15" dirty="0">
                 <a:solidFill>
                   <a:schemeClr val="tx2"/>
                 </a:solidFill>
               </a:rPr>
             </a:br>
             <a:r>
-              <a:rPr lang="en-IN" sz="2000" spc="15" dirty="0"/>
-              <a:t/>
+              <a:rPr lang="en-IN" sz="2400" b="1" spc="15" dirty="0"/>
+              <a:t>Department:</a:t>
+            </a:r>
+            <a:r>
+              <a:rPr lang="en-IN" sz="2400" b="1" spc="15" dirty="0">
+                <a:solidFill>
+                  <a:schemeClr val="tx2"/>
+                </a:solidFill>
+              </a:rPr>
+              <a:t>Information Technology</a:t>
             </a:r>
             <a:br>
-              <a:rPr lang="en-IN" sz="2000" spc="15" dirty="0"/>
+              <a:rPr lang="en-IN" sz="2400" b="1" spc="15" dirty="0">
+                <a:solidFill>
+                  <a:schemeClr val="tx2"/>
+                </a:solidFill>
+              </a:rPr>
             </a:br>
             <a:r>
-              <a:rPr lang="en-IN" sz="2000" spc="15" dirty="0"/>
-              <a:t/>
+              <a:rPr lang="en-IN" sz="2400" b="1" spc="15" dirty="0"/>
+              <a:t>College:</a:t>
+            </a:r>
+            <a:r>
+              <a:rPr lang="en-IN" sz="2400" b="1" spc="15" dirty="0">
+                <a:solidFill>
+                  <a:schemeClr val="tx2"/>
+                </a:solidFill>
+              </a:rPr>
+              <a:t>Saranathan College Of Engineering</a:t>
             </a:r>
             <a:br>
-              <a:rPr lang="en-IN" sz="2000" spc="15" dirty="0"/>
+              <a:rPr lang="en-IN" sz="2400" b="1" spc="15" dirty="0">
+                <a:solidFill>
+                  <a:schemeClr val="tx2"/>
+                </a:solidFill>
+              </a:rPr>
             </a:br>
             <a:r>
-              <a:rPr lang="en-US" sz="2000" spc="15" dirty="0"/>
-              <a:t/>
-            </a:r>
+              <a:rPr lang="en-IN" sz="2400" b="1" spc="15" dirty="0"/>
+              <a:t>NM MAIL ID:</a:t>
+            </a:r>
+            <a:r>
+              <a:rPr lang="en-IN" sz="2400" b="1" spc="15" dirty="0">
+                <a:solidFill>
+                  <a:schemeClr val="tx2"/>
+                </a:solidFill>
+              </a:rPr>
+              <a:t>sarithavasu789@gmail.com</a:t>
+            </a:r>
+            <a:br>
+              <a:rPr lang="en-IN" sz="2400" b="1" spc="15" dirty="0">
+                <a:solidFill>
+                  <a:schemeClr val="tx2"/>
+                </a:solidFill>
+              </a:rPr>
+            </a:br>
+            <a:r>
+              <a:rPr lang="en-IN" sz="2400" b="1" spc="15" dirty="0"/>
+              <a:t>                  (au813821205052)</a:t>
+            </a:r>
+            <a:br>
+              <a:rPr lang="en-IN" sz="2400" b="1" spc="15" dirty="0"/>
+            </a:br>
+            <a:br>
+              <a:rPr lang="en-IN" sz="2400" b="1" spc="15" dirty="0"/>
+            </a:br>
+            <a:br>
+              <a:rPr lang="en-IN" sz="2400" spc="15" dirty="0"/>
+            </a:br>
             <a:br>
               <a:rPr lang="en-US" sz="2000" spc="15" dirty="0"/>
             </a:br>
@@ -2390,6 +2430,56 @@
               <a:t>1</a:t>
             </a:fld>
             <a:endParaRPr spc="10" dirty="0"/>
+          </a:p>
+        </p:txBody>
+      </p:sp>
+      <p:sp>
+        <p:nvSpPr>
+          <p:cNvPr id="10" name="TextBox 9">
+            <a:extLst>
+              <a:ext uri="{FF2B5EF4-FFF2-40B4-BE49-F238E27FC236}">
+                <a16:creationId xmlns:a16="http://schemas.microsoft.com/office/drawing/2014/main" id="{93E3B2CE-8652-A472-50C3-163029D3A43B}"/>
+              </a:ext>
+            </a:extLst>
+          </p:cNvPr>
+          <p:cNvSpPr txBox="1"/>
+          <p:nvPr/>
+        </p:nvSpPr>
+        <p:spPr>
+          <a:xfrm>
+            <a:off x="533400" y="155556"/>
+            <a:ext cx="9601200" cy="830997"/>
+          </a:xfrm>
+          <a:prstGeom prst="rect">
+            <a:avLst/>
+          </a:prstGeom>
+          <a:noFill/>
+        </p:spPr>
+        <p:txBody>
+          <a:bodyPr wrap="square">
+            <a:spAutoFit/>
+          </a:bodyPr>
+          <a:lstStyle/>
+          <a:p>
+            <a:r>
+              <a:rPr lang="en-IN" sz="4800" b="1" i="0" dirty="0">
+                <a:solidFill>
+                  <a:schemeClr val="accent1">
+                    <a:lumMod val="75000"/>
+                  </a:schemeClr>
+                </a:solidFill>
+                <a:effectLst/>
+                <a:latin typeface="Söhne"/>
+              </a:rPr>
+              <a:t>Skin Cancer Detection using CNN</a:t>
+            </a:r>
+            <a:endParaRPr lang="en-IN" sz="4800" dirty="0">
+              <a:solidFill>
+                <a:schemeClr val="accent1">
+                  <a:lumMod val="75000"/>
+                </a:schemeClr>
+              </a:solidFill>
+            </a:endParaRPr>
           </a:p>
         </p:txBody>
       </p:sp>
@@ -2684,7 +2774,7 @@
               </a:spcBef>
             </a:pPr>
             <a:r>
-              <a:rPr lang="en-US" sz="2000" u="heavy" spc="20" dirty="0" smtClean="0">
+              <a:rPr lang="en-US" sz="2000" u="heavy" spc="20" dirty="0">
                 <a:solidFill>
                   <a:schemeClr val="tx2"/>
                 </a:solidFill>
@@ -2709,7 +2799,7 @@
                 <a:spcPts val="130"/>
               </a:spcBef>
             </a:pPr>
-            <a:endParaRPr lang="en-US" sz="2000" u="heavy" spc="20" dirty="0" smtClean="0">
+            <a:endParaRPr lang="en-US" sz="2000" u="heavy" spc="20" dirty="0">
               <a:solidFill>
                 <a:schemeClr val="tx2"/>
               </a:solidFill>
@@ -2733,7 +2823,7 @@
               </a:spcBef>
             </a:pPr>
             <a:r>
-              <a:rPr lang="en-US" sz="2000" u="heavy" spc="20" dirty="0" smtClean="0">
+              <a:rPr lang="en-US" sz="2000" u="heavy" spc="20" dirty="0">
                 <a:solidFill>
                   <a:srgbClr val="006FC0"/>
                 </a:solidFill>
@@ -2749,7 +2839,7 @@
               <a:t>https://github.com/Vsuvetha/TNSDC-Generative-AI.git</a:t>
             </a:r>
             <a:r>
-              <a:rPr sz="2000" u="heavy" spc="-130" smtClean="0">
+              <a:rPr sz="2000" u="heavy" spc="-130">
                 <a:solidFill>
                   <a:srgbClr val="006FC0"/>
                 </a:solidFill>
@@ -2847,13 +2937,6 @@
   <p:clrMapOvr>
     <a:masterClrMapping/>
   </p:clrMapOvr>
-  <p:timing>
-    <p:tnLst>
-      <p:par>
-        <p:cTn id="1" dur="indefinite" restart="never" nodeType="tmRoot"/>
-      </p:par>
-    </p:tnLst>
-  </p:timing>
 </p:sld>
 </file>
 
@@ -3738,7 +3821,7 @@
           <p:cNvPr id="24" name="TextBox 23">
             <a:extLst>
               <a:ext uri="{FF2B5EF4-FFF2-40B4-BE49-F238E27FC236}">
-                <a16:creationId xmlns:a16="http://schemas.microsoft.com/office/drawing/2014/main" xmlns="" id="{1733ADC4-7540-676C-1C15-11A4C04BAF44}"/>
+                <a16:creationId xmlns:a16="http://schemas.microsoft.com/office/drawing/2014/main" id="{1733ADC4-7540-676C-1C15-11A4C04BAF44}"/>
               </a:ext>
             </a:extLst>
           </p:cNvPr>
@@ -4958,31 +5041,15 @@
             <a:br>
               <a:rPr lang="en-US" dirty="0"/>
             </a:br>
-            <a:r>
-              <a:rPr lang="en-US" dirty="0"/>
-              <a:t/>
-            </a:r>
             <a:br>
               <a:rPr lang="en-US" dirty="0"/>
             </a:br>
-            <a:r>
-              <a:rPr lang="en-US" dirty="0"/>
-              <a:t/>
-            </a:r>
             <a:br>
               <a:rPr lang="en-US" dirty="0"/>
             </a:br>
-            <a:r>
-              <a:rPr lang="en-IN" dirty="0"/>
-              <a:t/>
-            </a:r>
             <a:br>
               <a:rPr lang="en-IN" dirty="0"/>
             </a:br>
-            <a:r>
-              <a:rPr lang="en-US" dirty="0"/>
-              <a:t/>
-            </a:r>
             <a:br>
               <a:rPr lang="en-US" dirty="0"/>
             </a:br>
@@ -5040,7 +5107,7 @@
           <p:cNvPr id="24" name="TextBox 23">
             <a:extLst>
               <a:ext uri="{FF2B5EF4-FFF2-40B4-BE49-F238E27FC236}">
-                <a16:creationId xmlns:a16="http://schemas.microsoft.com/office/drawing/2014/main" xmlns="" id="{1ED5E182-4967-EA50-4C9B-3FEA88534525}"/>
+                <a16:creationId xmlns:a16="http://schemas.microsoft.com/office/drawing/2014/main" id="{1ED5E182-4967-EA50-4C9B-3FEA88534525}"/>
               </a:ext>
             </a:extLst>
           </p:cNvPr>
@@ -5524,24 +5591,12 @@
               <a:rPr sz="4250" spc="10" dirty="0"/>
               <a:t>NT</a:t>
             </a:r>
-            <a:r>
-              <a:rPr lang="en-US" sz="4250" spc="10" dirty="0"/>
-              <a:t/>
-            </a:r>
             <a:br>
               <a:rPr lang="en-US" sz="4250" spc="10" dirty="0"/>
             </a:br>
-            <a:r>
-              <a:rPr lang="en-IN" sz="4250" spc="10" dirty="0"/>
-              <a:t/>
-            </a:r>
             <a:br>
               <a:rPr lang="en-IN" sz="4250" spc="10" dirty="0"/>
             </a:br>
-            <a:r>
-              <a:rPr lang="en-IN" sz="4250" spc="10" dirty="0"/>
-              <a:t/>
-            </a:r>
             <a:br>
               <a:rPr lang="en-IN" sz="4250" spc="10" dirty="0"/>
             </a:br>
@@ -5621,7 +5676,7 @@
           <p:cNvPr id="15" name="Rectangle 2">
             <a:extLst>
               <a:ext uri="{FF2B5EF4-FFF2-40B4-BE49-F238E27FC236}">
-                <a16:creationId xmlns:a16="http://schemas.microsoft.com/office/drawing/2014/main" xmlns="" id="{6A493B54-37A8-ED36-523C-567C89947390}"/>
+                <a16:creationId xmlns:a16="http://schemas.microsoft.com/office/drawing/2014/main" id="{6A493B54-37A8-ED36-523C-567C89947390}"/>
               </a:ext>
             </a:extLst>
           </p:cNvPr>
@@ -5647,7 +5702,7 @@
           <a:effectLst/>
           <a:extLst>
             <a:ext uri="{91240B29-F687-4F45-9708-019B960494DF}">
-              <a14:hiddenLine xmlns:a14="http://schemas.microsoft.com/office/drawing/2010/main" xmlns="" w="9525">
+              <a14:hiddenLine xmlns:a14="http://schemas.microsoft.com/office/drawing/2010/main" w="9525">
                 <a:solidFill>
                   <a:schemeClr val="tx1"/>
                 </a:solidFill>
@@ -5657,7 +5712,7 @@
               </a14:hiddenLine>
             </a:ext>
             <a:ext uri="{AF507438-7753-43E0-B8FC-AC1667EBCBE1}">
-              <a14:hiddenEffects xmlns:a14="http://schemas.microsoft.com/office/drawing/2010/main" xmlns="">
+              <a14:hiddenEffects xmlns:a14="http://schemas.microsoft.com/office/drawing/2010/main">
                 <a:effectLst>
                   <a:outerShdw dist="35921" dir="2700000" algn="ctr" rotWithShape="0">
                     <a:schemeClr val="bg2"/>
@@ -5710,7 +5765,7 @@
           <p:cNvPr id="16" name="Rectangle 3">
             <a:extLst>
               <a:ext uri="{FF2B5EF4-FFF2-40B4-BE49-F238E27FC236}">
-                <a16:creationId xmlns:a16="http://schemas.microsoft.com/office/drawing/2014/main" xmlns="" id="{32EE13B1-B251-D16F-E952-56A38F8DE8C1}"/>
+                <a16:creationId xmlns:a16="http://schemas.microsoft.com/office/drawing/2014/main" id="{32EE13B1-B251-D16F-E952-56A38F8DE8C1}"/>
               </a:ext>
             </a:extLst>
           </p:cNvPr>
@@ -5736,7 +5791,7 @@
           <a:effectLst/>
           <a:extLst>
             <a:ext uri="{91240B29-F687-4F45-9708-019B960494DF}">
-              <a14:hiddenLine xmlns:a14="http://schemas.microsoft.com/office/drawing/2010/main" xmlns="" w="9525">
+              <a14:hiddenLine xmlns:a14="http://schemas.microsoft.com/office/drawing/2010/main" w="9525">
                 <a:solidFill>
                   <a:schemeClr val="tx1"/>
                 </a:solidFill>
@@ -5746,7 +5801,7 @@
               </a14:hiddenLine>
             </a:ext>
             <a:ext uri="{AF507438-7753-43E0-B8FC-AC1667EBCBE1}">
-              <a14:hiddenEffects xmlns:a14="http://schemas.microsoft.com/office/drawing/2010/main" xmlns="">
+              <a14:hiddenEffects xmlns:a14="http://schemas.microsoft.com/office/drawing/2010/main">
                 <a:effectLst>
                   <a:outerShdw dist="35921" dir="2700000" algn="ctr" rotWithShape="0">
                     <a:schemeClr val="bg2"/>
@@ -5825,7 +5880,7 @@
           <p:cNvPr id="11" name="TextBox 10">
             <a:extLst>
               <a:ext uri="{FF2B5EF4-FFF2-40B4-BE49-F238E27FC236}">
-                <a16:creationId xmlns:a16="http://schemas.microsoft.com/office/drawing/2014/main" xmlns="" id="{826BE9FE-BF6A-F902-5FF7-3F4523A8E3B6}"/>
+                <a16:creationId xmlns:a16="http://schemas.microsoft.com/office/drawing/2014/main" id="{826BE9FE-BF6A-F902-5FF7-3F4523A8E3B6}"/>
               </a:ext>
             </a:extLst>
           </p:cNvPr>
@@ -5885,7 +5940,7 @@
           <p:cNvPr id="13" name="Rectangle 2">
             <a:extLst>
               <a:ext uri="{FF2B5EF4-FFF2-40B4-BE49-F238E27FC236}">
-                <a16:creationId xmlns:a16="http://schemas.microsoft.com/office/drawing/2014/main" xmlns="" id="{FC17A720-06F8-019A-C938-BD593C26C89E}"/>
+                <a16:creationId xmlns:a16="http://schemas.microsoft.com/office/drawing/2014/main" id="{FC17A720-06F8-019A-C938-BD593C26C89E}"/>
               </a:ext>
             </a:extLst>
           </p:cNvPr>
@@ -5911,7 +5966,7 @@
           <a:effectLst/>
           <a:extLst>
             <a:ext uri="{91240B29-F687-4F45-9708-019B960494DF}">
-              <a14:hiddenLine xmlns:a14="http://schemas.microsoft.com/office/drawing/2010/main" xmlns="" w="9525">
+              <a14:hiddenLine xmlns:a14="http://schemas.microsoft.com/office/drawing/2010/main" w="9525">
                 <a:solidFill>
                   <a:schemeClr val="tx1"/>
                 </a:solidFill>
@@ -5921,7 +5976,7 @@
               </a14:hiddenLine>
             </a:ext>
             <a:ext uri="{AF507438-7753-43E0-B8FC-AC1667EBCBE1}">
-              <a14:hiddenEffects xmlns:a14="http://schemas.microsoft.com/office/drawing/2010/main" xmlns="">
+              <a14:hiddenEffects xmlns:a14="http://schemas.microsoft.com/office/drawing/2010/main">
                 <a:effectLst>
                   <a:outerShdw dist="35921" dir="2700000" algn="ctr" rotWithShape="0">
                     <a:schemeClr val="bg2"/>
@@ -6433,7 +6488,7 @@
           <p:cNvPr id="12" name="TextBox 11">
             <a:extLst>
               <a:ext uri="{FF2B5EF4-FFF2-40B4-BE49-F238E27FC236}">
-                <a16:creationId xmlns:a16="http://schemas.microsoft.com/office/drawing/2014/main" xmlns="" id="{8A9E1F7E-129D-5E9A-D4BB-65F45E7B4B9B}"/>
+                <a16:creationId xmlns:a16="http://schemas.microsoft.com/office/drawing/2014/main" id="{8A9E1F7E-129D-5E9A-D4BB-65F45E7B4B9B}"/>
               </a:ext>
             </a:extLst>
           </p:cNvPr>
@@ -6863,7 +6918,7 @@
           <p:cNvPr id="10" name="Rectangle 2">
             <a:extLst>
               <a:ext uri="{FF2B5EF4-FFF2-40B4-BE49-F238E27FC236}">
-                <a16:creationId xmlns:a16="http://schemas.microsoft.com/office/drawing/2014/main" xmlns="" id="{D0B139C5-951C-95BF-B8B0-4ED3DF3A7600}"/>
+                <a16:creationId xmlns:a16="http://schemas.microsoft.com/office/drawing/2014/main" id="{D0B139C5-951C-95BF-B8B0-4ED3DF3A7600}"/>
               </a:ext>
             </a:extLst>
           </p:cNvPr>
@@ -6889,7 +6944,7 @@
           <a:effectLst/>
           <a:extLst>
             <a:ext uri="{91240B29-F687-4F45-9708-019B960494DF}">
-              <a14:hiddenLine xmlns:a14="http://schemas.microsoft.com/office/drawing/2010/main" xmlns="" w="9525">
+              <a14:hiddenLine xmlns:a14="http://schemas.microsoft.com/office/drawing/2010/main" w="9525">
                 <a:solidFill>
                   <a:schemeClr val="tx1"/>
                 </a:solidFill>
@@ -6899,7 +6954,7 @@
               </a14:hiddenLine>
             </a:ext>
             <a:ext uri="{AF507438-7753-43E0-B8FC-AC1667EBCBE1}">
-              <a14:hiddenEffects xmlns:a14="http://schemas.microsoft.com/office/drawing/2010/main" xmlns="">
+              <a14:hiddenEffects xmlns:a14="http://schemas.microsoft.com/office/drawing/2010/main">
                 <a:effectLst>
                   <a:outerShdw dist="35921" dir="2700000" algn="ctr" rotWithShape="0">
                     <a:schemeClr val="bg2"/>
@@ -6934,19 +6989,6 @@
               <a:buNone/>
               <a:tabLst/>
             </a:pPr>
-            <a:r>
-              <a:rPr kumimoji="0" lang="en-US" altLang="en-US" sz="1000" b="0" i="0" u="none" strike="noStrike" cap="none" normalizeH="0" baseline="0">
-                <a:ln>
-                  <a:noFill/>
-                </a:ln>
-                <a:solidFill>
-                  <a:schemeClr val="tx1"/>
-                </a:solidFill>
-                <a:effectLst/>
-                <a:latin typeface="Söhne"/>
-              </a:rPr>
-              <a:t/>
-            </a:r>
             <a:br>
               <a:rPr kumimoji="0" lang="en-US" altLang="en-US" sz="1000" b="0" i="0" u="none" strike="noStrike" cap="none" normalizeH="0" baseline="0">
                 <a:ln>
@@ -6977,7 +7019,7 @@
           <p:cNvPr id="12" name="Rectangle 4">
             <a:extLst>
               <a:ext uri="{FF2B5EF4-FFF2-40B4-BE49-F238E27FC236}">
-                <a16:creationId xmlns:a16="http://schemas.microsoft.com/office/drawing/2014/main" xmlns="" id="{C822A8A8-6481-BBEF-C766-CDCBA319D17E}"/>
+                <a16:creationId xmlns:a16="http://schemas.microsoft.com/office/drawing/2014/main" id="{C822A8A8-6481-BBEF-C766-CDCBA319D17E}"/>
               </a:ext>
             </a:extLst>
           </p:cNvPr>
@@ -7003,7 +7045,7 @@
           <a:effectLst/>
           <a:extLst>
             <a:ext uri="{91240B29-F687-4F45-9708-019B960494DF}">
-              <a14:hiddenLine xmlns:a14="http://schemas.microsoft.com/office/drawing/2010/main" xmlns="" w="9525">
+              <a14:hiddenLine xmlns:a14="http://schemas.microsoft.com/office/drawing/2010/main" w="9525">
                 <a:solidFill>
                   <a:schemeClr val="tx1"/>
                 </a:solidFill>
@@ -7013,7 +7055,7 @@
               </a14:hiddenLine>
             </a:ext>
             <a:ext uri="{AF507438-7753-43E0-B8FC-AC1667EBCBE1}">
-              <a14:hiddenEffects xmlns:a14="http://schemas.microsoft.com/office/drawing/2010/main" xmlns="">
+              <a14:hiddenEffects xmlns:a14="http://schemas.microsoft.com/office/drawing/2010/main">
                 <a:effectLst>
                   <a:outerShdw dist="35921" dir="2700000" algn="ctr" rotWithShape="0">
                     <a:schemeClr val="bg2"/>
@@ -7048,19 +7090,6 @@
               <a:buNone/>
               <a:tabLst/>
             </a:pPr>
-            <a:r>
-              <a:rPr kumimoji="0" lang="en-US" altLang="en-US" sz="1000" b="0" i="0" u="none" strike="noStrike" cap="none" normalizeH="0" baseline="0">
-                <a:ln>
-                  <a:noFill/>
-                </a:ln>
-                <a:solidFill>
-                  <a:schemeClr val="tx1"/>
-                </a:solidFill>
-                <a:effectLst/>
-                <a:latin typeface="Söhne"/>
-              </a:rPr>
-              <a:t/>
-            </a:r>
             <a:br>
               <a:rPr kumimoji="0" lang="en-US" altLang="en-US" sz="1000" b="0" i="0" u="none" strike="noStrike" cap="none" normalizeH="0" baseline="0">
                 <a:ln>
@@ -7091,7 +7120,7 @@
           <p:cNvPr id="16" name="TextBox 15">
             <a:extLst>
               <a:ext uri="{FF2B5EF4-FFF2-40B4-BE49-F238E27FC236}">
-                <a16:creationId xmlns:a16="http://schemas.microsoft.com/office/drawing/2014/main" xmlns="" id="{F850C006-55DB-0C62-32D2-814CBB8D10B4}"/>
+                <a16:creationId xmlns:a16="http://schemas.microsoft.com/office/drawing/2014/main" id="{F850C006-55DB-0C62-32D2-814CBB8D10B4}"/>
               </a:ext>
             </a:extLst>
           </p:cNvPr>
@@ -7684,7 +7713,7 @@
           <p:cNvPr id="11" name="TextBox 10">
             <a:extLst>
               <a:ext uri="{FF2B5EF4-FFF2-40B4-BE49-F238E27FC236}">
-                <a16:creationId xmlns:a16="http://schemas.microsoft.com/office/drawing/2014/main" xmlns="" id="{F1CA6043-C3B5-00BE-F078-3B71A23EB7FF}"/>
+                <a16:creationId xmlns:a16="http://schemas.microsoft.com/office/drawing/2014/main" id="{F1CA6043-C3B5-00BE-F078-3B71A23EB7FF}"/>
               </a:ext>
             </a:extLst>
           </p:cNvPr>
@@ -8274,7 +8303,7 @@
           <p:cNvPr id="10" name="Rectangle 2">
             <a:extLst>
               <a:ext uri="{FF2B5EF4-FFF2-40B4-BE49-F238E27FC236}">
-                <a16:creationId xmlns:a16="http://schemas.microsoft.com/office/drawing/2014/main" xmlns="" id="{09C1DF9E-F4DF-AE77-6646-554CC70E3549}"/>
+                <a16:creationId xmlns:a16="http://schemas.microsoft.com/office/drawing/2014/main" id="{09C1DF9E-F4DF-AE77-6646-554CC70E3549}"/>
               </a:ext>
             </a:extLst>
           </p:cNvPr>
@@ -8300,7 +8329,7 @@
           <a:effectLst/>
           <a:extLst>
             <a:ext uri="{91240B29-F687-4F45-9708-019B960494DF}">
-              <a14:hiddenLine xmlns:a14="http://schemas.microsoft.com/office/drawing/2010/main" xmlns="" w="9525">
+              <a14:hiddenLine xmlns:a14="http://schemas.microsoft.com/office/drawing/2010/main" w="9525">
                 <a:solidFill>
                   <a:schemeClr val="tx1"/>
                 </a:solidFill>
@@ -8310,7 +8339,7 @@
               </a14:hiddenLine>
             </a:ext>
             <a:ext uri="{AF507438-7753-43E0-B8FC-AC1667EBCBE1}">
-              <a14:hiddenEffects xmlns:a14="http://schemas.microsoft.com/office/drawing/2010/main" xmlns="">
+              <a14:hiddenEffects xmlns:a14="http://schemas.microsoft.com/office/drawing/2010/main">
                 <a:effectLst>
                   <a:outerShdw dist="35921" dir="2700000" algn="ctr" rotWithShape="0">
                     <a:schemeClr val="bg2"/>
@@ -8391,7 +8420,7 @@
           <p:cNvPr id="11" name="Rectangle 3">
             <a:extLst>
               <a:ext uri="{FF2B5EF4-FFF2-40B4-BE49-F238E27FC236}">
-                <a16:creationId xmlns:a16="http://schemas.microsoft.com/office/drawing/2014/main" xmlns="" id="{7BBEF92A-11F6-56AB-5C1F-EDF31A1632D2}"/>
+                <a16:creationId xmlns:a16="http://schemas.microsoft.com/office/drawing/2014/main" id="{7BBEF92A-11F6-56AB-5C1F-EDF31A1632D2}"/>
               </a:ext>
             </a:extLst>
           </p:cNvPr>
@@ -8417,7 +8446,7 @@
           <a:effectLst/>
           <a:extLst>
             <a:ext uri="{91240B29-F687-4F45-9708-019B960494DF}">
-              <a14:hiddenLine xmlns:a14="http://schemas.microsoft.com/office/drawing/2010/main" xmlns="" w="9525">
+              <a14:hiddenLine xmlns:a14="http://schemas.microsoft.com/office/drawing/2010/main" w="9525">
                 <a:solidFill>
                   <a:schemeClr val="tx1"/>
                 </a:solidFill>
@@ -8427,7 +8456,7 @@
               </a14:hiddenLine>
             </a:ext>
             <a:ext uri="{AF507438-7753-43E0-B8FC-AC1667EBCBE1}">
-              <a14:hiddenEffects xmlns:a14="http://schemas.microsoft.com/office/drawing/2010/main" xmlns="">
+              <a14:hiddenEffects xmlns:a14="http://schemas.microsoft.com/office/drawing/2010/main">
                 <a:effectLst>
                   <a:outerShdw dist="35921" dir="2700000" algn="ctr" rotWithShape="0">
                     <a:schemeClr val="bg2"/>
@@ -8596,18 +8625,6 @@
               </a:rPr>
               <a:t>Continuously improving accuracy through machine learning.</a:t>
             </a:r>
-            <a:r>
-              <a:rPr kumimoji="0" lang="en-US" altLang="en-US" sz="2000" b="0" i="0" u="none" strike="noStrike" cap="none" normalizeH="0" baseline="0" dirty="0">
-                <a:ln>
-                  <a:noFill/>
-                </a:ln>
-                <a:solidFill>
-                  <a:schemeClr val="tx2"/>
-                </a:solidFill>
-                <a:effectLst/>
-              </a:rPr>
-              <a:t/>
-            </a:r>
             <a:br>
               <a:rPr kumimoji="0" lang="en-US" altLang="en-US" sz="2000" b="0" i="0" u="none" strike="noStrike" cap="none" normalizeH="0" baseline="0" dirty="0">
                 <a:ln>
@@ -8930,7 +8947,7 @@
           <p:cNvPr id="11" name="Picture 10">
             <a:extLst>
               <a:ext uri="{FF2B5EF4-FFF2-40B4-BE49-F238E27FC236}">
-                <a16:creationId xmlns:a16="http://schemas.microsoft.com/office/drawing/2014/main" xmlns="" id="{4161CCD5-6ADA-8ACD-0F67-B2714A44A83B}"/>
+                <a16:creationId xmlns:a16="http://schemas.microsoft.com/office/drawing/2014/main" id="{4161CCD5-6ADA-8ACD-0F67-B2714A44A83B}"/>
               </a:ext>
             </a:extLst>
           </p:cNvPr>
@@ -8943,7 +8960,7 @@
           <a:blip r:embed="rId3">
             <a:extLst>
               <a:ext uri="{28A0092B-C50C-407E-A947-70E740481C1C}">
-                <a14:useLocalDpi xmlns:a14="http://schemas.microsoft.com/office/drawing/2010/main" xmlns="" val="0"/>
+                <a14:useLocalDpi xmlns:a14="http://schemas.microsoft.com/office/drawing/2010/main" val="0"/>
               </a:ext>
             </a:extLst>
           </a:blip>
@@ -8965,13 +8982,6 @@
   <p:clrMapOvr>
     <a:masterClrMapping/>
   </p:clrMapOvr>
-  <p:timing>
-    <p:tnLst>
-      <p:par>
-        <p:cTn id="1" dur="indefinite" restart="never" nodeType="tmRoot"/>
-      </p:par>
-    </p:tnLst>
-  </p:timing>
 </p:sld>
 </file>
 
